--- a/202303 - Mend/DevSecOps - Shift-left Security More than just a catchphrase (with notes).pptx
+++ b/202303 - Mend/DevSecOps - Shift-left Security More than just a catchphrase (with notes).pptx
@@ -124,14 +124,6 @@
     </p:ext>
   </p:extLst>
 </p:presentation>
-</file>
-
-<file path=ppt/revisionInfo.xml><?xml version="1.0" encoding="utf-8"?>
-<p1510:revInfo xmlns:a="http://schemas.openxmlformats.org/drawingml/2006/main" xmlns:r="http://schemas.openxmlformats.org/officeDocument/2006/relationships" xmlns:p1510="http://schemas.microsoft.com/office/powerpoint/2015/10/main">
-  <p1510:revLst>
-    <p1510:client id="{FF0723F2-02F5-429B-91E7-667A32512C40}" v="9" dt="2023-03-04T19:43:30.927"/>
-  </p1510:revLst>
-</p1510:revInfo>
 </file>
 
 <file path=ppt/changesInfos/changesInfo1.xml><?xml version="1.0" encoding="utf-8"?>
@@ -446,6 +438,44 @@
       </pc:sldChg>
     </pc:docChg>
   </pc:docChgLst>
+  <pc:docChgLst>
+    <pc:chgData name="Vincent King" userId="f96d9c2d90ad25d7" providerId="LiveId" clId="{A9AA335E-AF00-4C06-A992-5BF88B36A0C9}"/>
+    <pc:docChg chg="undo custSel modSld">
+      <pc:chgData name="Vincent King" userId="f96d9c2d90ad25d7" providerId="LiveId" clId="{A9AA335E-AF00-4C06-A992-5BF88B36A0C9}" dt="2023-03-06T14:06:43.920" v="7" actId="20577"/>
+      <pc:docMkLst>
+        <pc:docMk/>
+      </pc:docMkLst>
+      <pc:sldChg chg="modNotesTx">
+        <pc:chgData name="Vincent King" userId="f96d9c2d90ad25d7" providerId="LiveId" clId="{A9AA335E-AF00-4C06-A992-5BF88B36A0C9}" dt="2023-03-06T14:06:43.920" v="7" actId="20577"/>
+        <pc:sldMkLst>
+          <pc:docMk/>
+          <pc:sldMk cId="561810262" sldId="376"/>
+        </pc:sldMkLst>
+      </pc:sldChg>
+      <pc:sldChg chg="modNotesTx">
+        <pc:chgData name="Vincent King" userId="f96d9c2d90ad25d7" providerId="LiveId" clId="{A9AA335E-AF00-4C06-A992-5BF88B36A0C9}" dt="2023-03-06T13:56:42.266" v="0" actId="20577"/>
+        <pc:sldMkLst>
+          <pc:docMk/>
+          <pc:sldMk cId="290869389" sldId="391"/>
+        </pc:sldMkLst>
+      </pc:sldChg>
+      <pc:sldChg chg="delSp mod">
+        <pc:chgData name="Vincent King" userId="f96d9c2d90ad25d7" providerId="LiveId" clId="{A9AA335E-AF00-4C06-A992-5BF88B36A0C9}" dt="2023-03-06T14:00:10.291" v="1" actId="478"/>
+        <pc:sldMkLst>
+          <pc:docMk/>
+          <pc:sldMk cId="357775427" sldId="394"/>
+        </pc:sldMkLst>
+        <pc:spChg chg="del">
+          <ac:chgData name="Vincent King" userId="f96d9c2d90ad25d7" providerId="LiveId" clId="{A9AA335E-AF00-4C06-A992-5BF88B36A0C9}" dt="2023-03-06T14:00:10.291" v="1" actId="478"/>
+          <ac:spMkLst>
+            <pc:docMk/>
+            <pc:sldMk cId="357775427" sldId="394"/>
+            <ac:spMk id="2" creationId="{00000000-0000-0000-0000-000000000000}"/>
+          </ac:spMkLst>
+        </pc:spChg>
+      </pc:sldChg>
+    </pc:docChg>
+  </pc:docChgLst>
 </pc:chgInfo>
 </file>
 
@@ -531,7 +561,7 @@
           <a:p>
             <a:fld id="{4340E002-B88B-4BB0-BA5A-919501F4FBF2}" type="datetimeFigureOut">
               <a:rPr lang="en-GB" smtClean="0"/>
-              <a:t>04/03/2023</a:t>
+              <a:t>06/03/2023</a:t>
             </a:fld>
             <a:endParaRPr lang="en-GB"/>
           </a:p>
@@ -1629,10 +1659,20 @@
                 <a:effectLst/>
                 <a:latin typeface="+mn-lt"/>
               </a:rPr>
-              <a:t>61% said that the use of 3</a:t>
-            </a:r>
-            <a:r>
-              <a:rPr lang="en-GB" b="0" i="0" baseline="30000" dirty="0">
+              <a:t>61% said that the use of </a:t>
+            </a:r>
+            <a:r>
+              <a:rPr lang="en-GB" b="0" i="0">
+                <a:solidFill>
+                  <a:srgbClr val="242626"/>
+                </a:solidFill>
+                <a:effectLst/>
+                <a:latin typeface="+mn-lt"/>
+              </a:rPr>
+              <a:t>3</a:t>
+            </a:r>
+            <a:r>
+              <a:rPr lang="en-GB" b="0" i="0" baseline="30000">
                 <a:solidFill>
                   <a:srgbClr val="242626"/>
                 </a:solidFill>
@@ -1642,6 +1682,16 @@
               <a:t>rd</a:t>
             </a:r>
             <a:r>
+              <a:rPr lang="en-GB" b="0" i="0">
+                <a:solidFill>
+                  <a:srgbClr val="242626"/>
+                </a:solidFill>
+                <a:effectLst/>
+                <a:latin typeface="+mn-lt"/>
+              </a:rPr>
+              <a:t> party </a:t>
+            </a:r>
+            <a:r>
               <a:rPr lang="en-GB" b="0" i="0" dirty="0">
                 <a:solidFill>
                   <a:srgbClr val="242626"/>
@@ -1649,7 +1699,7 @@
                 <a:effectLst/>
                 <a:latin typeface="+mn-lt"/>
               </a:rPr>
-              <a:t> part code caused issues.  If we think about Log4J a number of organisations believed they where not exposed until they started to think about the dependencies not just of their own code, but the dependencies of the packages they use, and the exposure their vendors had.</a:t>
+              <a:t>code caused issues.  If we think about Log4J a number of organisations believed they where not exposed until they started to think about the dependencies not just of their own code, but the dependencies of the packages they use, and the exposure their vendors had.</a:t>
             </a:r>
           </a:p>
           <a:p>
@@ -2450,9 +2500,31 @@
               <a:t>DevSecOps</a:t>
             </a:r>
             <a:r>
-              <a:rPr lang="en-GB"/>
+              <a:rPr lang="en-GB" dirty="0"/>
               <a:t> eutopia.  </a:t>
             </a:r>
+          </a:p>
+          <a:p>
+            <a:endParaRPr lang="en-GB" dirty="0"/>
+          </a:p>
+          <a:p>
+            <a:pPr marL="0" marR="0" lvl="0" indent="0" algn="l" defTabSz="914400" rtl="0" eaLnBrk="1" fontAlgn="auto" latinLnBrk="0" hangingPunct="1">
+              <a:lnSpc>
+                <a:spcPct val="100000"/>
+              </a:lnSpc>
+              <a:spcBef>
+                <a:spcPts val="0"/>
+              </a:spcBef>
+              <a:spcAft>
+                <a:spcPts val="0"/>
+              </a:spcAft>
+              <a:buClrTx/>
+              <a:buSzTx/>
+              <a:buFontTx/>
+              <a:buNone/>
+              <a:tabLst/>
+              <a:defRPr/>
+            </a:pPr>
             <a:r>
               <a:rPr lang="en-GB" dirty="0"/>
               <a:t>To me </a:t>
@@ -2463,7 +2535,11 @@
             </a:r>
             <a:r>
               <a:rPr lang="en-GB" dirty="0"/>
-              <a:t> is an adventure.  There’ll be ups and downs, and we’ll most likely lose a few people along the way, but as long as we all understand the direction we are going in, striving to make things better, we can’t help but learn and improve.</a:t>
+              <a:t> is an adventure.  </a:t>
+            </a:r>
+            <a:r>
+              <a:rPr lang="en-GB"/>
+              <a:t>There’ll be ups and downs, and we’ll most likely lose a few people along the way, but as long as we all understand the direction we are going in, striving to make things better, and are using the right mix of People, Processes, and Tooling, we can’t help but learn and improve.</a:t>
             </a:r>
           </a:p>
         </p:txBody>
@@ -12152,165 +12228,6 @@
           <a:chExt cx="0" cy="0"/>
         </a:xfrm>
       </p:grpSpPr>
-      <p:sp>
-        <p:nvSpPr>
-          <p:cNvPr id="2" name="Footer Placeholder 1"/>
-          <p:cNvSpPr>
-            <a:spLocks noGrp="1"/>
-          </p:cNvSpPr>
-          <p:nvPr>
-            <p:ph type="ftr" sz="quarter" idx="11"/>
-          </p:nvPr>
-        </p:nvSpPr>
-        <p:spPr>
-          <a:xfrm>
-            <a:off x="5033010" y="6381751"/>
-            <a:ext cx="5645537" cy="382270"/>
-          </a:xfrm>
-          <a:prstGeom prst="rect">
-            <a:avLst/>
-          </a:prstGeom>
-        </p:spPr>
-        <p:txBody>
-          <a:bodyPr vert="horz" lIns="91440" tIns="45720" rIns="91440" bIns="45720" rtlCol="0" anchor="ctr"/>
-          <a:lstStyle>
-            <a:defPPr>
-              <a:defRPr lang="en-US"/>
-            </a:defPPr>
-            <a:lvl1pPr marL="0" algn="ctr" defTabSz="914400" rtl="0" eaLnBrk="1" latinLnBrk="0" hangingPunct="1">
-              <a:defRPr sz="1200" kern="1200">
-                <a:solidFill>
-                  <a:schemeClr val="tx1">
-                    <a:tint val="75000"/>
-                  </a:schemeClr>
-                </a:solidFill>
-                <a:latin typeface="Arial" panose="020B0604020202020204" pitchFamily="34" charset="0"/>
-                <a:ea typeface="+mn-ea"/>
-                <a:cs typeface="Arial" panose="020B0604020202020204" pitchFamily="34" charset="0"/>
-              </a:defRPr>
-            </a:lvl1pPr>
-            <a:lvl2pPr marL="457200" algn="l" defTabSz="914400" rtl="0" eaLnBrk="1" latinLnBrk="0" hangingPunct="1">
-              <a:defRPr sz="1800" kern="1200">
-                <a:solidFill>
-                  <a:schemeClr val="tx1"/>
-                </a:solidFill>
-                <a:latin typeface="+mn-lt"/>
-                <a:ea typeface="+mn-ea"/>
-                <a:cs typeface="+mn-cs"/>
-              </a:defRPr>
-            </a:lvl2pPr>
-            <a:lvl3pPr marL="914400" algn="l" defTabSz="914400" rtl="0" eaLnBrk="1" latinLnBrk="0" hangingPunct="1">
-              <a:defRPr sz="1800" kern="1200">
-                <a:solidFill>
-                  <a:schemeClr val="tx1"/>
-                </a:solidFill>
-                <a:latin typeface="+mn-lt"/>
-                <a:ea typeface="+mn-ea"/>
-                <a:cs typeface="+mn-cs"/>
-              </a:defRPr>
-            </a:lvl3pPr>
-            <a:lvl4pPr marL="1371600" algn="l" defTabSz="914400" rtl="0" eaLnBrk="1" latinLnBrk="0" hangingPunct="1">
-              <a:defRPr sz="1800" kern="1200">
-                <a:solidFill>
-                  <a:schemeClr val="tx1"/>
-                </a:solidFill>
-                <a:latin typeface="+mn-lt"/>
-                <a:ea typeface="+mn-ea"/>
-                <a:cs typeface="+mn-cs"/>
-              </a:defRPr>
-            </a:lvl4pPr>
-            <a:lvl5pPr marL="1828800" algn="l" defTabSz="914400" rtl="0" eaLnBrk="1" latinLnBrk="0" hangingPunct="1">
-              <a:defRPr sz="1800" kern="1200">
-                <a:solidFill>
-                  <a:schemeClr val="tx1"/>
-                </a:solidFill>
-                <a:latin typeface="+mn-lt"/>
-                <a:ea typeface="+mn-ea"/>
-                <a:cs typeface="+mn-cs"/>
-              </a:defRPr>
-            </a:lvl5pPr>
-            <a:lvl6pPr marL="2286000" algn="l" defTabSz="914400" rtl="0" eaLnBrk="1" latinLnBrk="0" hangingPunct="1">
-              <a:defRPr sz="1800" kern="1200">
-                <a:solidFill>
-                  <a:schemeClr val="tx1"/>
-                </a:solidFill>
-                <a:latin typeface="+mn-lt"/>
-                <a:ea typeface="+mn-ea"/>
-                <a:cs typeface="+mn-cs"/>
-              </a:defRPr>
-            </a:lvl6pPr>
-            <a:lvl7pPr marL="2743200" algn="l" defTabSz="914400" rtl="0" eaLnBrk="1" latinLnBrk="0" hangingPunct="1">
-              <a:defRPr sz="1800" kern="1200">
-                <a:solidFill>
-                  <a:schemeClr val="tx1"/>
-                </a:solidFill>
-                <a:latin typeface="+mn-lt"/>
-                <a:ea typeface="+mn-ea"/>
-                <a:cs typeface="+mn-cs"/>
-              </a:defRPr>
-            </a:lvl7pPr>
-            <a:lvl8pPr marL="3200400" algn="l" defTabSz="914400" rtl="0" eaLnBrk="1" latinLnBrk="0" hangingPunct="1">
-              <a:defRPr sz="1800" kern="1200">
-                <a:solidFill>
-                  <a:schemeClr val="tx1"/>
-                </a:solidFill>
-                <a:latin typeface="+mn-lt"/>
-                <a:ea typeface="+mn-ea"/>
-                <a:cs typeface="+mn-cs"/>
-              </a:defRPr>
-            </a:lvl8pPr>
-            <a:lvl9pPr marL="3657600" algn="l" defTabSz="914400" rtl="0" eaLnBrk="1" latinLnBrk="0" hangingPunct="1">
-              <a:defRPr sz="1800" kern="1200">
-                <a:solidFill>
-                  <a:schemeClr val="tx1"/>
-                </a:solidFill>
-                <a:latin typeface="+mn-lt"/>
-                <a:ea typeface="+mn-ea"/>
-                <a:cs typeface="+mn-cs"/>
-              </a:defRPr>
-            </a:lvl9pPr>
-          </a:lstStyle>
-          <a:p>
-            <a:pPr marL="0" marR="0" lvl="0" indent="0" algn="ctr" defTabSz="914400" rtl="0" eaLnBrk="1" fontAlgn="auto" latinLnBrk="0" hangingPunct="1">
-              <a:lnSpc>
-                <a:spcPct val="100000"/>
-              </a:lnSpc>
-              <a:spcBef>
-                <a:spcPts val="0"/>
-              </a:spcBef>
-              <a:spcAft>
-                <a:spcPts val="0"/>
-              </a:spcAft>
-              <a:buClrTx/>
-              <a:buSzTx/>
-              <a:buFontTx/>
-              <a:buNone/>
-              <a:tabLst/>
-              <a:defRPr/>
-            </a:pPr>
-            <a:r>
-              <a:rPr lang="en-GB"/>
-              <a:t>Document classification: GREEN</a:t>
-            </a:r>
-            <a:endParaRPr kumimoji="0" lang="en-GB" sz="1200" b="0" i="0" u="none" strike="noStrike" kern="1200" cap="none" spc="0" normalizeH="0" baseline="0" noProof="0" dirty="0">
-              <a:ln>
-                <a:noFill/>
-              </a:ln>
-              <a:solidFill>
-                <a:srgbClr val="000000">
-                  <a:tint val="75000"/>
-                </a:srgbClr>
-              </a:solidFill>
-              <a:effectLst/>
-              <a:uLnTx/>
-              <a:uFillTx/>
-              <a:latin typeface="Arial" panose="020B0604020202020204" pitchFamily="34" charset="0"/>
-              <a:ea typeface="+mn-ea"/>
-              <a:cs typeface="Arial" panose="020B0604020202020204" pitchFamily="34" charset="0"/>
-            </a:endParaRPr>
-          </a:p>
-        </p:txBody>
-      </p:sp>
       <p:sp>
         <p:nvSpPr>
           <p:cNvPr id="4" name="Title 3"/>
